--- a/presentation thing.pptx
+++ b/presentation thing.pptx
@@ -9,9 +9,10 @@
     <p:sldId id="257" r:id="rId3"/>
     <p:sldId id="258" r:id="rId4"/>
     <p:sldId id="259" r:id="rId5"/>
-    <p:sldId id="260" r:id="rId6"/>
-    <p:sldId id="261" r:id="rId7"/>
-    <p:sldId id="262" r:id="rId8"/>
+    <p:sldId id="263" r:id="rId6"/>
+    <p:sldId id="260" r:id="rId7"/>
+    <p:sldId id="261" r:id="rId8"/>
+    <p:sldId id="262" r:id="rId9"/>
   </p:sldIdLst>
   <p:sldSz cx="9144000" cy="6858000" type="screen4x3"/>
   <p:notesSz cx="6858000" cy="9144000"/>
@@ -497,7 +498,7 @@
           <a:p>
             <a:fld id="{F6D483BD-8203-43CC-B26E-D40585C846D1}" type="datetimeFigureOut">
               <a:rPr lang="en-US" smtClean="0"/>
-              <a:t>2/16/2016</a:t>
+              <a:t>2/18/2016</a:t>
             </a:fld>
             <a:endParaRPr lang="en-US"/>
           </a:p>
@@ -662,7 +663,7 @@
           <a:p>
             <a:fld id="{F6D483BD-8203-43CC-B26E-D40585C846D1}" type="datetimeFigureOut">
               <a:rPr lang="en-US" smtClean="0"/>
-              <a:t>2/16/2016</a:t>
+              <a:t>2/18/2016</a:t>
             </a:fld>
             <a:endParaRPr lang="en-US"/>
           </a:p>
@@ -837,7 +838,7 @@
           <a:p>
             <a:fld id="{F6D483BD-8203-43CC-B26E-D40585C846D1}" type="datetimeFigureOut">
               <a:rPr lang="en-US" smtClean="0"/>
-              <a:t>2/16/2016</a:t>
+              <a:t>2/18/2016</a:t>
             </a:fld>
             <a:endParaRPr lang="en-US"/>
           </a:p>
@@ -1006,7 +1007,7 @@
           <a:p>
             <a:fld id="{F6D483BD-8203-43CC-B26E-D40585C846D1}" type="datetimeFigureOut">
               <a:rPr lang="en-US" smtClean="0"/>
-              <a:t>2/16/2016</a:t>
+              <a:t>2/18/2016</a:t>
             </a:fld>
             <a:endParaRPr lang="en-US"/>
           </a:p>
@@ -1461,7 +1462,7 @@
           <a:p>
             <a:fld id="{F6D483BD-8203-43CC-B26E-D40585C846D1}" type="datetimeFigureOut">
               <a:rPr lang="en-US" smtClean="0"/>
-              <a:t>2/16/2016</a:t>
+              <a:t>2/18/2016</a:t>
             </a:fld>
             <a:endParaRPr lang="en-US"/>
           </a:p>
@@ -1725,7 +1726,7 @@
           <a:p>
             <a:fld id="{F6D483BD-8203-43CC-B26E-D40585C846D1}" type="datetimeFigureOut">
               <a:rPr lang="en-US" smtClean="0"/>
-              <a:t>2/16/2016</a:t>
+              <a:t>2/18/2016</a:t>
             </a:fld>
             <a:endParaRPr lang="en-US"/>
           </a:p>
@@ -2099,7 +2100,7 @@
           <a:p>
             <a:fld id="{F6D483BD-8203-43CC-B26E-D40585C846D1}" type="datetimeFigureOut">
               <a:rPr lang="en-US" smtClean="0"/>
-              <a:t>2/16/2016</a:t>
+              <a:t>2/18/2016</a:t>
             </a:fld>
             <a:endParaRPr lang="en-US"/>
           </a:p>
@@ -2221,7 +2222,7 @@
           <a:p>
             <a:fld id="{F6D483BD-8203-43CC-B26E-D40585C846D1}" type="datetimeFigureOut">
               <a:rPr lang="en-US" smtClean="0"/>
-              <a:t>2/16/2016</a:t>
+              <a:t>2/18/2016</a:t>
             </a:fld>
             <a:endParaRPr lang="en-US"/>
           </a:p>
@@ -2311,7 +2312,7 @@
           <a:p>
             <a:fld id="{F6D483BD-8203-43CC-B26E-D40585C846D1}" type="datetimeFigureOut">
               <a:rPr lang="en-US" smtClean="0"/>
-              <a:t>2/16/2016</a:t>
+              <a:t>2/18/2016</a:t>
             </a:fld>
             <a:endParaRPr lang="en-US"/>
           </a:p>
@@ -2560,7 +2561,7 @@
           <a:p>
             <a:fld id="{F6D483BD-8203-43CC-B26E-D40585C846D1}" type="datetimeFigureOut">
               <a:rPr lang="en-US" smtClean="0"/>
-              <a:t>2/16/2016</a:t>
+              <a:t>2/18/2016</a:t>
             </a:fld>
             <a:endParaRPr lang="en-US"/>
           </a:p>
@@ -2819,7 +2820,7 @@
           <a:p>
             <a:fld id="{F6D483BD-8203-43CC-B26E-D40585C846D1}" type="datetimeFigureOut">
               <a:rPr lang="en-US" smtClean="0"/>
-              <a:t>2/16/2016</a:t>
+              <a:t>2/18/2016</a:t>
             </a:fld>
             <a:endParaRPr lang="en-US"/>
           </a:p>
@@ -3223,7 +3224,7 @@
           <a:p>
             <a:fld id="{F6D483BD-8203-43CC-B26E-D40585C846D1}" type="datetimeFigureOut">
               <a:rPr lang="en-US" smtClean="0"/>
-              <a:t>2/16/2016</a:t>
+              <a:t>2/18/2016</a:t>
             </a:fld>
             <a:endParaRPr lang="en-US"/>
           </a:p>
@@ -4190,6 +4191,901 @@
       </p:grpSpPr>
       <p:sp>
         <p:nvSpPr>
+          <p:cNvPr id="4" name="Rectangle 3"/>
+          <p:cNvSpPr/>
+          <p:nvPr/>
+        </p:nvSpPr>
+        <p:spPr>
+          <a:xfrm>
+            <a:off x="457200" y="381000"/>
+            <a:ext cx="1676400" cy="609600"/>
+          </a:xfrm>
+          <a:prstGeom prst="rect">
+            <a:avLst/>
+          </a:prstGeom>
+        </p:spPr>
+        <p:style>
+          <a:lnRef idx="2">
+            <a:schemeClr val="accent1">
+              <a:shade val="50000"/>
+            </a:schemeClr>
+          </a:lnRef>
+          <a:fillRef idx="1">
+            <a:schemeClr val="accent1"/>
+          </a:fillRef>
+          <a:effectRef idx="0">
+            <a:schemeClr val="accent1"/>
+          </a:effectRef>
+          <a:fontRef idx="minor">
+            <a:schemeClr val="lt1"/>
+          </a:fontRef>
+        </p:style>
+        <p:txBody>
+          <a:bodyPr rtlCol="0" anchor="ctr"/>
+          <a:lstStyle/>
+          <a:p>
+            <a:pPr algn="ctr"/>
+            <a:endParaRPr lang="en-US"/>
+          </a:p>
+        </p:txBody>
+      </p:sp>
+      <p:sp>
+        <p:nvSpPr>
+          <p:cNvPr id="5" name="TextBox 4"/>
+          <p:cNvSpPr txBox="1"/>
+          <p:nvPr/>
+        </p:nvSpPr>
+        <p:spPr>
+          <a:xfrm>
+            <a:off x="533400" y="457200"/>
+            <a:ext cx="1447800" cy="381000"/>
+          </a:xfrm>
+          <a:prstGeom prst="rect">
+            <a:avLst/>
+          </a:prstGeom>
+          <a:noFill/>
+        </p:spPr>
+        <p:txBody>
+          <a:bodyPr wrap="square" rtlCol="0">
+            <a:spAutoFit/>
+          </a:bodyPr>
+          <a:lstStyle/>
+          <a:p>
+            <a:r>
+              <a:rPr lang="en-US" dirty="0" smtClean="0"/>
+              <a:t>Setup PIC</a:t>
+            </a:r>
+            <a:endParaRPr lang="en-US" dirty="0"/>
+          </a:p>
+        </p:txBody>
+      </p:sp>
+      <p:sp>
+        <p:nvSpPr>
+          <p:cNvPr id="6" name="Rectangle 5"/>
+          <p:cNvSpPr/>
+          <p:nvPr/>
+        </p:nvSpPr>
+        <p:spPr>
+          <a:xfrm>
+            <a:off x="457200" y="1485900"/>
+            <a:ext cx="1600200" cy="685800"/>
+          </a:xfrm>
+          <a:prstGeom prst="rect">
+            <a:avLst/>
+          </a:prstGeom>
+        </p:spPr>
+        <p:style>
+          <a:lnRef idx="2">
+            <a:schemeClr val="accent1">
+              <a:shade val="50000"/>
+            </a:schemeClr>
+          </a:lnRef>
+          <a:fillRef idx="1">
+            <a:schemeClr val="accent1"/>
+          </a:fillRef>
+          <a:effectRef idx="0">
+            <a:schemeClr val="accent1"/>
+          </a:effectRef>
+          <a:fontRef idx="minor">
+            <a:schemeClr val="lt1"/>
+          </a:fontRef>
+        </p:style>
+        <p:txBody>
+          <a:bodyPr rtlCol="0" anchor="ctr"/>
+          <a:lstStyle/>
+          <a:p>
+            <a:pPr algn="ctr"/>
+            <a:endParaRPr lang="en-US"/>
+          </a:p>
+        </p:txBody>
+      </p:sp>
+      <p:sp>
+        <p:nvSpPr>
+          <p:cNvPr id="7" name="TextBox 6"/>
+          <p:cNvSpPr txBox="1"/>
+          <p:nvPr/>
+        </p:nvSpPr>
+        <p:spPr>
+          <a:xfrm>
+            <a:off x="533400" y="1638300"/>
+            <a:ext cx="1371600" cy="381000"/>
+          </a:xfrm>
+          <a:prstGeom prst="rect">
+            <a:avLst/>
+          </a:prstGeom>
+          <a:noFill/>
+        </p:spPr>
+        <p:txBody>
+          <a:bodyPr wrap="square" rtlCol="0">
+            <a:spAutoFit/>
+          </a:bodyPr>
+          <a:lstStyle/>
+          <a:p>
+            <a:pPr algn="ctr"/>
+            <a:r>
+              <a:rPr lang="en-US" dirty="0" smtClean="0"/>
+              <a:t>Home </a:t>
+            </a:r>
+            <a:endParaRPr lang="en-US" dirty="0"/>
+          </a:p>
+        </p:txBody>
+      </p:sp>
+      <p:sp>
+        <p:nvSpPr>
+          <p:cNvPr id="8" name="Rectangle 7"/>
+          <p:cNvSpPr/>
+          <p:nvPr/>
+        </p:nvSpPr>
+        <p:spPr>
+          <a:xfrm>
+            <a:off x="495300" y="2514600"/>
+            <a:ext cx="1600200" cy="609600"/>
+          </a:xfrm>
+          <a:prstGeom prst="rect">
+            <a:avLst/>
+          </a:prstGeom>
+        </p:spPr>
+        <p:style>
+          <a:lnRef idx="2">
+            <a:schemeClr val="accent1">
+              <a:shade val="50000"/>
+            </a:schemeClr>
+          </a:lnRef>
+          <a:fillRef idx="1">
+            <a:schemeClr val="accent1"/>
+          </a:fillRef>
+          <a:effectRef idx="0">
+            <a:schemeClr val="accent1"/>
+          </a:effectRef>
+          <a:fontRef idx="minor">
+            <a:schemeClr val="lt1"/>
+          </a:fontRef>
+        </p:style>
+        <p:txBody>
+          <a:bodyPr rtlCol="0" anchor="ctr"/>
+          <a:lstStyle/>
+          <a:p>
+            <a:pPr algn="ctr"/>
+            <a:endParaRPr lang="en-US"/>
+          </a:p>
+        </p:txBody>
+      </p:sp>
+      <p:sp>
+        <p:nvSpPr>
+          <p:cNvPr id="9" name="TextBox 8"/>
+          <p:cNvSpPr txBox="1"/>
+          <p:nvPr/>
+        </p:nvSpPr>
+        <p:spPr>
+          <a:xfrm>
+            <a:off x="609600" y="2590800"/>
+            <a:ext cx="1371600" cy="381000"/>
+          </a:xfrm>
+          <a:prstGeom prst="rect">
+            <a:avLst/>
+          </a:prstGeom>
+          <a:noFill/>
+        </p:spPr>
+        <p:txBody>
+          <a:bodyPr wrap="square" rtlCol="0">
+            <a:spAutoFit/>
+          </a:bodyPr>
+          <a:lstStyle/>
+          <a:p>
+            <a:r>
+              <a:rPr lang="en-US" dirty="0" smtClean="0"/>
+              <a:t>Read ADC</a:t>
+            </a:r>
+            <a:endParaRPr lang="en-US" dirty="0"/>
+          </a:p>
+        </p:txBody>
+      </p:sp>
+      <p:sp>
+        <p:nvSpPr>
+          <p:cNvPr id="10" name="Rectangle 9"/>
+          <p:cNvSpPr/>
+          <p:nvPr/>
+        </p:nvSpPr>
+        <p:spPr>
+          <a:xfrm>
+            <a:off x="495300" y="3429000"/>
+            <a:ext cx="1600200" cy="609600"/>
+          </a:xfrm>
+          <a:prstGeom prst="rect">
+            <a:avLst/>
+          </a:prstGeom>
+        </p:spPr>
+        <p:style>
+          <a:lnRef idx="2">
+            <a:schemeClr val="accent1">
+              <a:shade val="50000"/>
+            </a:schemeClr>
+          </a:lnRef>
+          <a:fillRef idx="1">
+            <a:schemeClr val="accent1"/>
+          </a:fillRef>
+          <a:effectRef idx="0">
+            <a:schemeClr val="accent1"/>
+          </a:effectRef>
+          <a:fontRef idx="minor">
+            <a:schemeClr val="lt1"/>
+          </a:fontRef>
+        </p:style>
+        <p:txBody>
+          <a:bodyPr rtlCol="0" anchor="ctr"/>
+          <a:lstStyle/>
+          <a:p>
+            <a:pPr algn="ctr"/>
+            <a:endParaRPr lang="en-US"/>
+          </a:p>
+        </p:txBody>
+      </p:sp>
+      <p:sp>
+        <p:nvSpPr>
+          <p:cNvPr id="11" name="TextBox 10"/>
+          <p:cNvSpPr txBox="1"/>
+          <p:nvPr/>
+        </p:nvSpPr>
+        <p:spPr>
+          <a:xfrm>
+            <a:off x="609600" y="3438525"/>
+            <a:ext cx="1371600" cy="646331"/>
+          </a:xfrm>
+          <a:prstGeom prst="rect">
+            <a:avLst/>
+          </a:prstGeom>
+          <a:noFill/>
+        </p:spPr>
+        <p:txBody>
+          <a:bodyPr wrap="square" rtlCol="0">
+            <a:spAutoFit/>
+          </a:bodyPr>
+          <a:lstStyle/>
+          <a:p>
+            <a:r>
+              <a:rPr lang="en-US" dirty="0" smtClean="0"/>
+              <a:t>Move steppers</a:t>
+            </a:r>
+            <a:endParaRPr lang="en-US" dirty="0"/>
+          </a:p>
+        </p:txBody>
+      </p:sp>
+      <p:sp>
+        <p:nvSpPr>
+          <p:cNvPr id="13" name="Flowchart: Decision 12"/>
+          <p:cNvSpPr/>
+          <p:nvPr/>
+        </p:nvSpPr>
+        <p:spPr>
+          <a:xfrm>
+            <a:off x="609600" y="4191000"/>
+            <a:ext cx="1371600" cy="1066800"/>
+          </a:xfrm>
+          <a:prstGeom prst="flowChartDecision">
+            <a:avLst/>
+          </a:prstGeom>
+        </p:spPr>
+        <p:style>
+          <a:lnRef idx="2">
+            <a:schemeClr val="accent1">
+              <a:shade val="50000"/>
+            </a:schemeClr>
+          </a:lnRef>
+          <a:fillRef idx="1">
+            <a:schemeClr val="accent1"/>
+          </a:fillRef>
+          <a:effectRef idx="0">
+            <a:schemeClr val="accent1"/>
+          </a:effectRef>
+          <a:fontRef idx="minor">
+            <a:schemeClr val="lt1"/>
+          </a:fontRef>
+        </p:style>
+        <p:txBody>
+          <a:bodyPr rtlCol="0" anchor="ctr"/>
+          <a:lstStyle/>
+          <a:p>
+            <a:pPr algn="ctr"/>
+            <a:endParaRPr lang="en-US"/>
+          </a:p>
+        </p:txBody>
+      </p:sp>
+      <p:sp>
+        <p:nvSpPr>
+          <p:cNvPr id="14" name="TextBox 13"/>
+          <p:cNvSpPr txBox="1"/>
+          <p:nvPr/>
+        </p:nvSpPr>
+        <p:spPr>
+          <a:xfrm>
+            <a:off x="762000" y="4539734"/>
+            <a:ext cx="1066800" cy="646331"/>
+          </a:xfrm>
+          <a:prstGeom prst="rect">
+            <a:avLst/>
+          </a:prstGeom>
+          <a:noFill/>
+        </p:spPr>
+        <p:txBody>
+          <a:bodyPr wrap="square" rtlCol="0">
+            <a:spAutoFit/>
+          </a:bodyPr>
+          <a:lstStyle/>
+          <a:p>
+            <a:r>
+              <a:rPr lang="en-US" dirty="0" smtClean="0"/>
+              <a:t>Button Y</a:t>
+            </a:r>
+          </a:p>
+          <a:p>
+            <a:pPr algn="ctr"/>
+            <a:r>
+              <a:rPr lang="en-US" dirty="0"/>
+              <a:t>N</a:t>
+            </a:r>
+          </a:p>
+        </p:txBody>
+      </p:sp>
+      <p:sp>
+        <p:nvSpPr>
+          <p:cNvPr id="15" name="Rectangle 14"/>
+          <p:cNvSpPr/>
+          <p:nvPr/>
+        </p:nvSpPr>
+        <p:spPr>
+          <a:xfrm>
+            <a:off x="2667000" y="4343400"/>
+            <a:ext cx="1600200" cy="762000"/>
+          </a:xfrm>
+          <a:prstGeom prst="rect">
+            <a:avLst/>
+          </a:prstGeom>
+        </p:spPr>
+        <p:style>
+          <a:lnRef idx="2">
+            <a:schemeClr val="accent1">
+              <a:shade val="50000"/>
+            </a:schemeClr>
+          </a:lnRef>
+          <a:fillRef idx="1">
+            <a:schemeClr val="accent1"/>
+          </a:fillRef>
+          <a:effectRef idx="0">
+            <a:schemeClr val="accent1"/>
+          </a:effectRef>
+          <a:fontRef idx="minor">
+            <a:schemeClr val="lt1"/>
+          </a:fontRef>
+        </p:style>
+        <p:txBody>
+          <a:bodyPr rtlCol="0" anchor="ctr"/>
+          <a:lstStyle/>
+          <a:p>
+            <a:pPr algn="ctr"/>
+            <a:endParaRPr lang="en-US"/>
+          </a:p>
+        </p:txBody>
+      </p:sp>
+      <p:sp>
+        <p:nvSpPr>
+          <p:cNvPr id="17" name="TextBox 16"/>
+          <p:cNvSpPr txBox="1"/>
+          <p:nvPr/>
+        </p:nvSpPr>
+        <p:spPr>
+          <a:xfrm>
+            <a:off x="2895600" y="4572000"/>
+            <a:ext cx="1676400" cy="369332"/>
+          </a:xfrm>
+          <a:prstGeom prst="rect">
+            <a:avLst/>
+          </a:prstGeom>
+          <a:noFill/>
+        </p:spPr>
+        <p:txBody>
+          <a:bodyPr wrap="square" rtlCol="0">
+            <a:spAutoFit/>
+          </a:bodyPr>
+          <a:lstStyle/>
+          <a:p>
+            <a:r>
+              <a:rPr lang="en-US" dirty="0" smtClean="0"/>
+              <a:t>Draw path </a:t>
+            </a:r>
+            <a:endParaRPr lang="en-US" dirty="0"/>
+          </a:p>
+        </p:txBody>
+      </p:sp>
+      <p:sp>
+        <p:nvSpPr>
+          <p:cNvPr id="18" name="Flowchart: Decision 17"/>
+          <p:cNvSpPr/>
+          <p:nvPr/>
+        </p:nvSpPr>
+        <p:spPr>
+          <a:xfrm>
+            <a:off x="4800600" y="4226867"/>
+            <a:ext cx="1447800" cy="995065"/>
+          </a:xfrm>
+          <a:prstGeom prst="flowChartDecision">
+            <a:avLst/>
+          </a:prstGeom>
+        </p:spPr>
+        <p:style>
+          <a:lnRef idx="2">
+            <a:schemeClr val="accent1">
+              <a:shade val="50000"/>
+            </a:schemeClr>
+          </a:lnRef>
+          <a:fillRef idx="1">
+            <a:schemeClr val="accent1"/>
+          </a:fillRef>
+          <a:effectRef idx="0">
+            <a:schemeClr val="accent1"/>
+          </a:effectRef>
+          <a:fontRef idx="minor">
+            <a:schemeClr val="lt1"/>
+          </a:fontRef>
+        </p:style>
+        <p:txBody>
+          <a:bodyPr rtlCol="0" anchor="ctr"/>
+          <a:lstStyle/>
+          <a:p>
+            <a:pPr algn="ctr"/>
+            <a:endParaRPr lang="en-US"/>
+          </a:p>
+        </p:txBody>
+      </p:sp>
+      <p:sp>
+        <p:nvSpPr>
+          <p:cNvPr id="19" name="TextBox 18"/>
+          <p:cNvSpPr txBox="1"/>
+          <p:nvPr/>
+        </p:nvSpPr>
+        <p:spPr>
+          <a:xfrm>
+            <a:off x="5029200" y="4539734"/>
+            <a:ext cx="914400" cy="646331"/>
+          </a:xfrm>
+          <a:prstGeom prst="rect">
+            <a:avLst/>
+          </a:prstGeom>
+          <a:noFill/>
+        </p:spPr>
+        <p:txBody>
+          <a:bodyPr wrap="square" rtlCol="0">
+            <a:spAutoFit/>
+          </a:bodyPr>
+          <a:lstStyle/>
+          <a:p>
+            <a:r>
+              <a:rPr lang="en-US" dirty="0" smtClean="0"/>
+              <a:t>Stop Y</a:t>
+            </a:r>
+          </a:p>
+          <a:p>
+            <a:pPr algn="ctr"/>
+            <a:r>
+              <a:rPr lang="en-US" dirty="0"/>
+              <a:t>N</a:t>
+            </a:r>
+          </a:p>
+        </p:txBody>
+      </p:sp>
+      <p:cxnSp>
+        <p:nvCxnSpPr>
+          <p:cNvPr id="21" name="Straight Arrow Connector 20"/>
+          <p:cNvCxnSpPr>
+            <a:stCxn id="4" idx="2"/>
+          </p:cNvCxnSpPr>
+          <p:nvPr/>
+        </p:nvCxnSpPr>
+        <p:spPr>
+          <a:xfrm>
+            <a:off x="1295400" y="990600"/>
+            <a:ext cx="0" cy="381000"/>
+          </a:xfrm>
+          <a:prstGeom prst="straightConnector1">
+            <a:avLst/>
+          </a:prstGeom>
+          <a:ln>
+            <a:tailEnd type="arrow"/>
+          </a:ln>
+        </p:spPr>
+        <p:style>
+          <a:lnRef idx="1">
+            <a:schemeClr val="accent1"/>
+          </a:lnRef>
+          <a:fillRef idx="0">
+            <a:schemeClr val="accent1"/>
+          </a:fillRef>
+          <a:effectRef idx="0">
+            <a:schemeClr val="accent1"/>
+          </a:effectRef>
+          <a:fontRef idx="minor">
+            <a:schemeClr val="tx1"/>
+          </a:fontRef>
+        </p:style>
+      </p:cxnSp>
+      <p:cxnSp>
+        <p:nvCxnSpPr>
+          <p:cNvPr id="23" name="Straight Arrow Connector 22"/>
+          <p:cNvCxnSpPr>
+            <a:stCxn id="6" idx="2"/>
+          </p:cNvCxnSpPr>
+          <p:nvPr/>
+        </p:nvCxnSpPr>
+        <p:spPr>
+          <a:xfrm>
+            <a:off x="1257300" y="2171700"/>
+            <a:ext cx="0" cy="266700"/>
+          </a:xfrm>
+          <a:prstGeom prst="straightConnector1">
+            <a:avLst/>
+          </a:prstGeom>
+          <a:ln>
+            <a:tailEnd type="arrow"/>
+          </a:ln>
+        </p:spPr>
+        <p:style>
+          <a:lnRef idx="1">
+            <a:schemeClr val="accent1"/>
+          </a:lnRef>
+          <a:fillRef idx="0">
+            <a:schemeClr val="accent1"/>
+          </a:fillRef>
+          <a:effectRef idx="0">
+            <a:schemeClr val="accent1"/>
+          </a:effectRef>
+          <a:fontRef idx="minor">
+            <a:schemeClr val="tx1"/>
+          </a:fontRef>
+        </p:style>
+      </p:cxnSp>
+      <p:cxnSp>
+        <p:nvCxnSpPr>
+          <p:cNvPr id="25" name="Straight Arrow Connector 24"/>
+          <p:cNvCxnSpPr>
+            <a:stCxn id="8" idx="2"/>
+            <a:endCxn id="10" idx="0"/>
+          </p:cNvCxnSpPr>
+          <p:nvPr/>
+        </p:nvCxnSpPr>
+        <p:spPr>
+          <a:xfrm>
+            <a:off x="1295400" y="3124200"/>
+            <a:ext cx="0" cy="304800"/>
+          </a:xfrm>
+          <a:prstGeom prst="straightConnector1">
+            <a:avLst/>
+          </a:prstGeom>
+          <a:ln>
+            <a:tailEnd type="arrow"/>
+          </a:ln>
+        </p:spPr>
+        <p:style>
+          <a:lnRef idx="1">
+            <a:schemeClr val="accent1"/>
+          </a:lnRef>
+          <a:fillRef idx="0">
+            <a:schemeClr val="accent1"/>
+          </a:fillRef>
+          <a:effectRef idx="0">
+            <a:schemeClr val="accent1"/>
+          </a:effectRef>
+          <a:fontRef idx="minor">
+            <a:schemeClr val="tx1"/>
+          </a:fontRef>
+        </p:style>
+      </p:cxnSp>
+      <p:cxnSp>
+        <p:nvCxnSpPr>
+          <p:cNvPr id="27" name="Straight Arrow Connector 26"/>
+          <p:cNvCxnSpPr>
+            <a:stCxn id="11" idx="2"/>
+            <a:endCxn id="13" idx="0"/>
+          </p:cNvCxnSpPr>
+          <p:nvPr/>
+        </p:nvCxnSpPr>
+        <p:spPr>
+          <a:xfrm>
+            <a:off x="1295400" y="4084856"/>
+            <a:ext cx="0" cy="106144"/>
+          </a:xfrm>
+          <a:prstGeom prst="straightConnector1">
+            <a:avLst/>
+          </a:prstGeom>
+          <a:ln>
+            <a:tailEnd type="arrow"/>
+          </a:ln>
+        </p:spPr>
+        <p:style>
+          <a:lnRef idx="1">
+            <a:schemeClr val="accent1"/>
+          </a:lnRef>
+          <a:fillRef idx="0">
+            <a:schemeClr val="accent1"/>
+          </a:fillRef>
+          <a:effectRef idx="0">
+            <a:schemeClr val="accent1"/>
+          </a:effectRef>
+          <a:fontRef idx="minor">
+            <a:schemeClr val="tx1"/>
+          </a:fontRef>
+        </p:style>
+      </p:cxnSp>
+      <p:cxnSp>
+        <p:nvCxnSpPr>
+          <p:cNvPr id="29" name="Straight Arrow Connector 28"/>
+          <p:cNvCxnSpPr>
+            <a:stCxn id="13" idx="3"/>
+            <a:endCxn id="15" idx="1"/>
+          </p:cNvCxnSpPr>
+          <p:nvPr/>
+        </p:nvCxnSpPr>
+        <p:spPr>
+          <a:xfrm>
+            <a:off x="1981200" y="4724400"/>
+            <a:ext cx="685800" cy="0"/>
+          </a:xfrm>
+          <a:prstGeom prst="straightConnector1">
+            <a:avLst/>
+          </a:prstGeom>
+          <a:ln>
+            <a:tailEnd type="arrow"/>
+          </a:ln>
+        </p:spPr>
+        <p:style>
+          <a:lnRef idx="1">
+            <a:schemeClr val="accent1"/>
+          </a:lnRef>
+          <a:fillRef idx="0">
+            <a:schemeClr val="accent1"/>
+          </a:fillRef>
+          <a:effectRef idx="0">
+            <a:schemeClr val="accent1"/>
+          </a:effectRef>
+          <a:fontRef idx="minor">
+            <a:schemeClr val="tx1"/>
+          </a:fontRef>
+        </p:style>
+      </p:cxnSp>
+      <p:cxnSp>
+        <p:nvCxnSpPr>
+          <p:cNvPr id="31" name="Straight Arrow Connector 30"/>
+          <p:cNvCxnSpPr>
+            <a:endCxn id="18" idx="1"/>
+          </p:cNvCxnSpPr>
+          <p:nvPr/>
+        </p:nvCxnSpPr>
+        <p:spPr>
+          <a:xfrm>
+            <a:off x="4267200" y="4724399"/>
+            <a:ext cx="533400" cy="1"/>
+          </a:xfrm>
+          <a:prstGeom prst="straightConnector1">
+            <a:avLst/>
+          </a:prstGeom>
+          <a:ln>
+            <a:tailEnd type="arrow"/>
+          </a:ln>
+        </p:spPr>
+        <p:style>
+          <a:lnRef idx="1">
+            <a:schemeClr val="accent1"/>
+          </a:lnRef>
+          <a:fillRef idx="0">
+            <a:schemeClr val="accent1"/>
+          </a:fillRef>
+          <a:effectRef idx="0">
+            <a:schemeClr val="accent1"/>
+          </a:effectRef>
+          <a:fontRef idx="minor">
+            <a:schemeClr val="tx1"/>
+          </a:fontRef>
+        </p:style>
+      </p:cxnSp>
+      <p:cxnSp>
+        <p:nvCxnSpPr>
+          <p:cNvPr id="33" name="Elbow Connector 32"/>
+          <p:cNvCxnSpPr>
+            <a:stCxn id="18" idx="2"/>
+            <a:endCxn id="15" idx="2"/>
+          </p:cNvCxnSpPr>
+          <p:nvPr/>
+        </p:nvCxnSpPr>
+        <p:spPr>
+          <a:xfrm rot="5400000" flipH="1">
+            <a:off x="4437534" y="4134966"/>
+            <a:ext cx="116532" cy="2057400"/>
+          </a:xfrm>
+          <a:prstGeom prst="bentConnector3">
+            <a:avLst>
+              <a:gd name="adj1" fmla="val -196169"/>
+            </a:avLst>
+          </a:prstGeom>
+          <a:ln>
+            <a:tailEnd type="arrow"/>
+          </a:ln>
+        </p:spPr>
+        <p:style>
+          <a:lnRef idx="1">
+            <a:schemeClr val="accent1"/>
+          </a:lnRef>
+          <a:fillRef idx="0">
+            <a:schemeClr val="accent1"/>
+          </a:fillRef>
+          <a:effectRef idx="0">
+            <a:schemeClr val="accent1"/>
+          </a:effectRef>
+          <a:fontRef idx="minor">
+            <a:schemeClr val="tx1"/>
+          </a:fontRef>
+        </p:style>
+      </p:cxnSp>
+      <p:cxnSp>
+        <p:nvCxnSpPr>
+          <p:cNvPr id="36" name="Elbow Connector 35"/>
+          <p:cNvCxnSpPr>
+            <a:stCxn id="18" idx="3"/>
+            <a:endCxn id="8" idx="3"/>
+          </p:cNvCxnSpPr>
+          <p:nvPr/>
+        </p:nvCxnSpPr>
+        <p:spPr>
+          <a:xfrm flipH="1" flipV="1">
+            <a:off x="2095500" y="2819400"/>
+            <a:ext cx="4152900" cy="1905000"/>
+          </a:xfrm>
+          <a:prstGeom prst="bentConnector3">
+            <a:avLst>
+              <a:gd name="adj1" fmla="val -5505"/>
+            </a:avLst>
+          </a:prstGeom>
+          <a:ln>
+            <a:tailEnd type="arrow"/>
+          </a:ln>
+        </p:spPr>
+        <p:style>
+          <a:lnRef idx="1">
+            <a:schemeClr val="accent1"/>
+          </a:lnRef>
+          <a:fillRef idx="0">
+            <a:schemeClr val="accent1"/>
+          </a:fillRef>
+          <a:effectRef idx="0">
+            <a:schemeClr val="accent1"/>
+          </a:effectRef>
+          <a:fontRef idx="minor">
+            <a:schemeClr val="tx1"/>
+          </a:fontRef>
+        </p:style>
+      </p:cxnSp>
+      <p:cxnSp>
+        <p:nvCxnSpPr>
+          <p:cNvPr id="38" name="Elbow Connector 37"/>
+          <p:cNvCxnSpPr>
+            <a:stCxn id="13" idx="2"/>
+            <a:endCxn id="8" idx="3"/>
+          </p:cNvCxnSpPr>
+          <p:nvPr/>
+        </p:nvCxnSpPr>
+        <p:spPr>
+          <a:xfrm rot="5400000" flipH="1" flipV="1">
+            <a:off x="476250" y="3638550"/>
+            <a:ext cx="2438400" cy="800100"/>
+          </a:xfrm>
+          <a:prstGeom prst="bentConnector4">
+            <a:avLst>
+              <a:gd name="adj1" fmla="val -30078"/>
+              <a:gd name="adj2" fmla="val 744047"/>
+            </a:avLst>
+          </a:prstGeom>
+          <a:ln>
+            <a:tailEnd type="arrow"/>
+          </a:ln>
+        </p:spPr>
+        <p:style>
+          <a:lnRef idx="1">
+            <a:schemeClr val="accent1"/>
+          </a:lnRef>
+          <a:fillRef idx="0">
+            <a:schemeClr val="accent1"/>
+          </a:fillRef>
+          <a:effectRef idx="0">
+            <a:schemeClr val="accent1"/>
+          </a:effectRef>
+          <a:fontRef idx="minor">
+            <a:schemeClr val="tx1"/>
+          </a:fontRef>
+        </p:style>
+      </p:cxnSp>
+      <p:sp>
+        <p:nvSpPr>
+          <p:cNvPr id="41" name="TextBox 40"/>
+          <p:cNvSpPr txBox="1"/>
+          <p:nvPr/>
+        </p:nvSpPr>
+        <p:spPr>
+          <a:xfrm>
+            <a:off x="2895600" y="304800"/>
+            <a:ext cx="5486400" cy="769441"/>
+          </a:xfrm>
+          <a:prstGeom prst="rect">
+            <a:avLst/>
+          </a:prstGeom>
+          <a:noFill/>
+        </p:spPr>
+        <p:txBody>
+          <a:bodyPr wrap="square" rtlCol="0">
+            <a:spAutoFit/>
+          </a:bodyPr>
+          <a:lstStyle/>
+          <a:p>
+            <a:r>
+              <a:rPr lang="en-US" sz="4400" dirty="0" smtClean="0">
+                <a:latin typeface="+mj-lt"/>
+              </a:rPr>
+              <a:t>Code Flowchart</a:t>
+            </a:r>
+            <a:endParaRPr lang="en-US" sz="4400" dirty="0">
+              <a:latin typeface="+mj-lt"/>
+            </a:endParaRPr>
+          </a:p>
+        </p:txBody>
+      </p:sp>
+    </p:spTree>
+    <p:extLst>
+      <p:ext uri="{BB962C8B-B14F-4D97-AF65-F5344CB8AC3E}">
+        <p14:creationId xmlns:p14="http://schemas.microsoft.com/office/powerpoint/2010/main" val="113304602"/>
+      </p:ext>
+    </p:extLst>
+  </p:cSld>
+  <p:clrMapOvr>
+    <a:masterClrMapping/>
+  </p:clrMapOvr>
+</p:sld>
+</file>
+
+<file path=ppt/slides/slide6.xml><?xml version="1.0" encoding="utf-8"?>
+<p:sld xmlns:a="http://schemas.openxmlformats.org/drawingml/2006/main" xmlns:r="http://schemas.openxmlformats.org/officeDocument/2006/relationships" xmlns:p="http://schemas.openxmlformats.org/presentationml/2006/main">
+  <p:cSld>
+    <p:spTree>
+      <p:nvGrpSpPr>
+        <p:cNvPr id="1" name=""/>
+        <p:cNvGrpSpPr/>
+        <p:nvPr/>
+      </p:nvGrpSpPr>
+      <p:grpSpPr>
+        <a:xfrm>
+          <a:off x="0" y="0"/>
+          <a:ext cx="0" cy="0"/>
+          <a:chOff x="0" y="0"/>
+          <a:chExt cx="0" cy="0"/>
+        </a:xfrm>
+      </p:grpSpPr>
+      <p:sp>
+        <p:nvSpPr>
           <p:cNvPr id="2" name="Title 1"/>
           <p:cNvSpPr>
             <a:spLocks noGrp="1"/>
@@ -4325,7 +5221,7 @@
 </p:sld>
 </file>
 
-<file path=ppt/slides/slide6.xml><?xml version="1.0" encoding="utf-8"?>
+<file path=ppt/slides/slide7.xml><?xml version="1.0" encoding="utf-8"?>
 <p:sld xmlns:a="http://schemas.openxmlformats.org/drawingml/2006/main" xmlns:r="http://schemas.openxmlformats.org/officeDocument/2006/relationships" xmlns:p="http://schemas.openxmlformats.org/presentationml/2006/main">
   <p:cSld>
     <p:spTree>
@@ -4401,7 +5297,7 @@
 </p:sld>
 </file>
 
-<file path=ppt/slides/slide7.xml><?xml version="1.0" encoding="utf-8"?>
+<file path=ppt/slides/slide8.xml><?xml version="1.0" encoding="utf-8"?>
 <p:sld xmlns:a="http://schemas.openxmlformats.org/drawingml/2006/main" xmlns:r="http://schemas.openxmlformats.org/officeDocument/2006/relationships" xmlns:p="http://schemas.openxmlformats.org/presentationml/2006/main">
   <p:cSld>
     <p:spTree>
